--- a/Video Ver1/Video PPT/28. Inner-equi Joins.pptx
+++ b/Video Ver1/Video PPT/28. Inner-equi Joins.pptx
@@ -4449,7 +4449,7 @@
         </p:blipFill>
         <p:spPr bwMode="auto">
           <a:xfrm>
-            <a:off x="1558702" y="260648"/>
+            <a:off x="1558702" y="348630"/>
             <a:ext cx="9153525" cy="2000250"/>
           </a:xfrm>
           <a:prstGeom prst="rect">
@@ -4614,25 +4614,67 @@
           </a:lstStyle>
           <a:p>
             <a:r>
+              <a:rPr lang="en-IN" b="1" dirty="0" smtClean="0">
+                <a:latin typeface="Palatino Linotype" panose="02040502050505030304" pitchFamily="18" charset="0"/>
+                <a:cs typeface="Arial" panose="020B0604020202020204" pitchFamily="34" charset="0"/>
+              </a:rPr>
+              <a:t>INNER</a:t>
+            </a:r>
+            <a:r>
               <a:rPr lang="en-IN" dirty="0" smtClean="0">
                 <a:latin typeface="Palatino Linotype" panose="02040502050505030304" pitchFamily="18" charset="0"/>
                 <a:cs typeface="Arial" panose="020B0604020202020204" pitchFamily="34" charset="0"/>
               </a:rPr>
-              <a:t>INNER JOIN </a:t>
+              <a:t> </a:t>
+            </a:r>
+            <a:r>
+              <a:rPr lang="en-IN" b="1" dirty="0" smtClean="0">
+                <a:latin typeface="Palatino Linotype" panose="02040502050505030304" pitchFamily="18" charset="0"/>
+                <a:cs typeface="Arial" panose="020B0604020202020204" pitchFamily="34" charset="0"/>
+              </a:rPr>
+              <a:t>JOIN</a:t>
+            </a:r>
+            <a:r>
+              <a:rPr lang="en-IN" dirty="0" smtClean="0">
+                <a:latin typeface="Palatino Linotype" panose="02040502050505030304" pitchFamily="18" charset="0"/>
+                <a:cs typeface="Arial" panose="020B0604020202020204" pitchFamily="34" charset="0"/>
+              </a:rPr>
+              <a:t> </a:t>
             </a:r>
             <a:r>
               <a:rPr lang="en-IN" dirty="0">
                 <a:latin typeface="Palatino Linotype" panose="02040502050505030304" pitchFamily="18" charset="0"/>
                 <a:cs typeface="Arial" panose="020B0604020202020204" pitchFamily="34" charset="0"/>
               </a:rPr>
-              <a:t>performs a JOIN against equality or matching column(s) values of the associated tables. An equal sign (=) is used as comparison operator in the </a:t>
+              <a:t>performs a JOIN against equality or matching column(s) values of the associated tables. An </a:t>
             </a:r>
             <a:r>
               <a:rPr lang="en-IN" dirty="0" smtClean="0">
                 <a:latin typeface="Palatino Linotype" panose="02040502050505030304" pitchFamily="18" charset="0"/>
                 <a:cs typeface="Arial" panose="020B0604020202020204" pitchFamily="34" charset="0"/>
               </a:rPr>
-              <a:t>ON clause </a:t>
+              <a:t>equal sign (=) </a:t>
+            </a:r>
+            <a:r>
+              <a:rPr lang="en-IN" dirty="0">
+                <a:latin typeface="Palatino Linotype" panose="02040502050505030304" pitchFamily="18" charset="0"/>
+                <a:cs typeface="Arial" panose="020B0604020202020204" pitchFamily="34" charset="0"/>
+              </a:rPr>
+              <a:t>is used as comparison operator in the </a:t>
+            </a:r>
+            <a:r>
+              <a:rPr lang="en-IN" b="1" dirty="0" smtClean="0">
+                <a:latin typeface="Palatino Linotype" panose="02040502050505030304" pitchFamily="18" charset="0"/>
+                <a:cs typeface="Arial" panose="020B0604020202020204" pitchFamily="34" charset="0"/>
+              </a:rPr>
+              <a:t>ON</a:t>
+            </a:r>
+            <a:r>
+              <a:rPr lang="en-IN" dirty="0" smtClean="0">
+                <a:latin typeface="Palatino Linotype" panose="02040502050505030304" pitchFamily="18" charset="0"/>
+                <a:cs typeface="Arial" panose="020B0604020202020204" pitchFamily="34" charset="0"/>
+              </a:rPr>
+              <a:t> clause </a:t>
             </a:r>
             <a:r>
               <a:rPr lang="en-IN" dirty="0">
@@ -4657,30 +4699,47 @@
           </a:p>
           <a:p>
             <a:r>
+              <a:rPr lang="en-IN" b="1" dirty="0" smtClean="0">
+                <a:latin typeface="Palatino Linotype" panose="02040502050505030304" pitchFamily="18" charset="0"/>
+                <a:cs typeface="Arial" panose="020B0604020202020204" pitchFamily="34" charset="0"/>
+              </a:rPr>
+              <a:t>EQUI</a:t>
+            </a:r>
+            <a:r>
               <a:rPr lang="en-IN" dirty="0" smtClean="0">
                 <a:latin typeface="Palatino Linotype" panose="02040502050505030304" pitchFamily="18" charset="0"/>
                 <a:cs typeface="Arial" panose="020B0604020202020204" pitchFamily="34" charset="0"/>
               </a:rPr>
-              <a:t>EQUI </a:t>
+              <a:t> </a:t>
+            </a:r>
+            <a:r>
+              <a:rPr lang="en-IN" b="1" dirty="0" smtClean="0">
+                <a:latin typeface="Palatino Linotype" panose="02040502050505030304" pitchFamily="18" charset="0"/>
+                <a:cs typeface="Arial" panose="020B0604020202020204" pitchFamily="34" charset="0"/>
+              </a:rPr>
+              <a:t>JOIN</a:t>
             </a:r>
             <a:r>
               <a:rPr lang="en-IN" dirty="0" smtClean="0">
                 <a:latin typeface="Palatino Linotype" panose="02040502050505030304" pitchFamily="18" charset="0"/>
                 <a:cs typeface="Arial" panose="020B0604020202020204" pitchFamily="34" charset="0"/>
               </a:rPr>
-              <a:t>JOIN performs a JOIN against equality or matching column(s) values of the associated tables. An equal sign (=) is used as comparison operator in the WHERE clause to refer equality</a:t>
+              <a:t> performs a JOIN against equality or matching column(s) values of the associated tables. An equal sign (=) is used as comparison operator in the </a:t>
+            </a:r>
+            <a:r>
+              <a:rPr lang="en-IN" b="1" dirty="0" smtClean="0">
+                <a:latin typeface="Palatino Linotype" panose="02040502050505030304" pitchFamily="18" charset="0"/>
+                <a:cs typeface="Arial" panose="020B0604020202020204" pitchFamily="34" charset="0"/>
+              </a:rPr>
+              <a:t>WHERE</a:t>
             </a:r>
             <a:r>
               <a:rPr lang="en-IN" dirty="0" smtClean="0">
                 <a:latin typeface="Palatino Linotype" panose="02040502050505030304" pitchFamily="18" charset="0"/>
                 <a:cs typeface="Arial" panose="020B0604020202020204" pitchFamily="34" charset="0"/>
               </a:rPr>
-              <a:t>.</a:t>
-            </a:r>
-            <a:endParaRPr lang="en-IN" dirty="0" smtClean="0">
-              <a:latin typeface="Palatino Linotype" panose="02040502050505030304" pitchFamily="18" charset="0"/>
-              <a:cs typeface="Arial" panose="020B0604020202020204" pitchFamily="34" charset="0"/>
-            </a:endParaRPr>
+              <a:t> clause to refer equality.</a:t>
+            </a:r>
           </a:p>
         </p:txBody>
       </p:sp>
@@ -4697,7 +4756,79 @@
   <p:timing>
     <p:tnLst>
       <p:par>
-        <p:cTn id="1" dur="indefinite" restart="never" nodeType="tmRoot"/>
+        <p:cTn id="1" dur="indefinite" restart="never" nodeType="tmRoot">
+          <p:childTnLst>
+            <p:seq concurrent="1" nextAc="seek">
+              <p:cTn id="2" dur="indefinite" nodeType="mainSeq">
+                <p:childTnLst>
+                  <p:par>
+                    <p:cTn id="3" fill="hold">
+                      <p:stCondLst>
+                        <p:cond delay="indefinite"/>
+                      </p:stCondLst>
+                      <p:childTnLst>
+                        <p:par>
+                          <p:cTn id="4" fill="hold">
+                            <p:stCondLst>
+                              <p:cond delay="0"/>
+                            </p:stCondLst>
+                            <p:childTnLst>
+                              <p:par>
+                                <p:cTn id="5" presetID="1" presetClass="entr" presetSubtype="0" fill="hold" nodeType="clickEffect">
+                                  <p:stCondLst>
+                                    <p:cond delay="0"/>
+                                  </p:stCondLst>
+                                  <p:childTnLst>
+                                    <p:set>
+                                      <p:cBhvr>
+                                        <p:cTn id="6" dur="1" fill="hold">
+                                          <p:stCondLst>
+                                            <p:cond delay="0"/>
+                                          </p:stCondLst>
+                                        </p:cTn>
+                                        <p:tgtEl>
+                                          <p:spTgt spid="7">
+                                            <p:txEl>
+                                              <p:pRg st="0" end="0"/>
+                                            </p:txEl>
+                                          </p:spTgt>
+                                        </p:tgtEl>
+                                        <p:attrNameLst>
+                                          <p:attrName>style.visibility</p:attrName>
+                                        </p:attrNameLst>
+                                      </p:cBhvr>
+                                      <p:to>
+                                        <p:strVal val="visible"/>
+                                      </p:to>
+                                    </p:set>
+                                  </p:childTnLst>
+                                </p:cTn>
+                              </p:par>
+                            </p:childTnLst>
+                          </p:cTn>
+                        </p:par>
+                      </p:childTnLst>
+                    </p:cTn>
+                  </p:par>
+                </p:childTnLst>
+              </p:cTn>
+              <p:prevCondLst>
+                <p:cond evt="onPrev" delay="0">
+                  <p:tgtEl>
+                    <p:sldTgt/>
+                  </p:tgtEl>
+                </p:cond>
+              </p:prevCondLst>
+              <p:nextCondLst>
+                <p:cond evt="onNext" delay="0">
+                  <p:tgtEl>
+                    <p:sldTgt/>
+                  </p:tgtEl>
+                </p:cond>
+              </p:nextCondLst>
+            </p:seq>
+          </p:childTnLst>
+        </p:cTn>
       </p:par>
     </p:tnLst>
   </p:timing>
@@ -4932,11 +5063,7 @@
             </a:r>
             <a:r>
               <a:rPr lang="en-US" dirty="0" smtClean="0"/>
-              <a:t> condition</a:t>
-            </a:r>
-            <a:r>
-              <a:rPr lang="en-US" dirty="0" smtClean="0"/>
-              <a:t>. </a:t>
+              <a:t> condition. </a:t>
             </a:r>
             <a:r>
               <a:rPr lang="en-US" dirty="0" smtClean="0">
@@ -4948,17 +5075,8 @@
               <a:rPr lang="en-IN" dirty="0" smtClean="0">
                 <a:latin typeface="Palatino Linotype" pitchFamily="18" charset="0"/>
               </a:rPr>
-              <a:t> returns rows when there is at least one match in both tables</a:t>
-            </a:r>
-            <a:r>
-              <a:rPr lang="en-IN" dirty="0" smtClean="0">
-                <a:latin typeface="Palatino Linotype" pitchFamily="18" charset="0"/>
-              </a:rPr>
-              <a:t>.</a:t>
-            </a:r>
-            <a:endParaRPr lang="en-IN" dirty="0" smtClean="0">
-              <a:latin typeface="Palatino Linotype" pitchFamily="18" charset="0"/>
-            </a:endParaRPr>
+              <a:t> returns rows when there is at least one match in both tables.</a:t>
+            </a:r>
           </a:p>
         </p:txBody>
       </p:sp>
@@ -4991,38 +5109,666 @@
           </a:p>
         </p:txBody>
       </p:sp>
-      <p:pic>
-        <p:nvPicPr>
-          <p:cNvPr id="1026" name="Picture 2"/>
-          <p:cNvPicPr>
-            <a:picLocks noChangeAspect="1" noChangeArrowheads="1"/>
-          </p:cNvPicPr>
+      <p:grpSp>
+        <p:nvGrpSpPr>
+          <p:cNvPr id="22" name="Group 21"/>
+          <p:cNvGrpSpPr/>
           <p:nvPr/>
-        </p:nvPicPr>
-        <p:blipFill>
-          <a:blip r:embed="rId3" cstate="print"/>
-          <a:srcRect/>
-          <a:stretch>
-            <a:fillRect/>
-          </a:stretch>
-        </p:blipFill>
-        <p:spPr bwMode="auto">
-          <a:xfrm>
-            <a:off x="478832" y="2996952"/>
-            <a:ext cx="8568702" cy="3096344"/>
-          </a:xfrm>
-          <a:prstGeom prst="rect">
-            <a:avLst/>
-          </a:prstGeom>
-          <a:noFill/>
-          <a:ln w="9525">
+        </p:nvGrpSpPr>
+        <p:grpSpPr>
+          <a:xfrm>
+            <a:off x="622598" y="2996952"/>
+            <a:ext cx="9145016" cy="3384376"/>
+            <a:chOff x="262558" y="2924944"/>
+            <a:chExt cx="9145016" cy="3384376"/>
+          </a:xfrm>
+        </p:grpSpPr>
+        <p:grpSp>
+          <p:nvGrpSpPr>
+            <p:cNvPr id="20" name="Group 19"/>
+            <p:cNvGrpSpPr/>
+            <p:nvPr/>
+          </p:nvGrpSpPr>
+          <p:grpSpPr>
+            <a:xfrm>
+              <a:off x="550590" y="3140968"/>
+              <a:ext cx="8568702" cy="3096344"/>
+              <a:chOff x="478832" y="3140968"/>
+              <a:chExt cx="8568702" cy="3096344"/>
+            </a:xfrm>
+          </p:grpSpPr>
+          <p:pic>
+            <p:nvPicPr>
+              <p:cNvPr id="1026" name="Picture 2"/>
+              <p:cNvPicPr>
+                <a:picLocks noChangeAspect="1" noChangeArrowheads="1"/>
+              </p:cNvPicPr>
+              <p:nvPr/>
+            </p:nvPicPr>
+            <p:blipFill>
+              <a:blip r:embed="rId3" cstate="print"/>
+              <a:srcRect/>
+              <a:stretch>
+                <a:fillRect/>
+              </a:stretch>
+            </p:blipFill>
+            <p:spPr bwMode="auto">
+              <a:xfrm>
+                <a:off x="478832" y="3140968"/>
+                <a:ext cx="8568702" cy="3096344"/>
+              </a:xfrm>
+              <a:prstGeom prst="rect">
+                <a:avLst/>
+              </a:prstGeom>
+              <a:noFill/>
+              <a:ln w="9525">
+                <a:noFill/>
+                <a:miter lim="800000"/>
+                <a:headEnd/>
+                <a:tailEnd/>
+              </a:ln>
+            </p:spPr>
+          </p:pic>
+          <p:sp>
+            <p:nvSpPr>
+              <p:cNvPr id="8" name="Rectangle 7"/>
+              <p:cNvSpPr/>
+              <p:nvPr/>
+            </p:nvSpPr>
+            <p:spPr>
+              <a:xfrm>
+                <a:off x="550590" y="3140968"/>
+                <a:ext cx="1512168" cy="504056"/>
+              </a:xfrm>
+              <a:prstGeom prst="rect">
+                <a:avLst/>
+              </a:prstGeom>
+              <a:noFill/>
+              <a:ln w="3175">
+                <a:solidFill>
+                  <a:schemeClr val="tx1"/>
+                </a:solidFill>
+              </a:ln>
+            </p:spPr>
+            <p:style>
+              <a:lnRef idx="2">
+                <a:schemeClr val="accent1">
+                  <a:shade val="50000"/>
+                </a:schemeClr>
+              </a:lnRef>
+              <a:fillRef idx="1">
+                <a:schemeClr val="accent1"/>
+              </a:fillRef>
+              <a:effectRef idx="0">
+                <a:schemeClr val="accent1"/>
+              </a:effectRef>
+              <a:fontRef idx="minor">
+                <a:schemeClr val="lt1"/>
+              </a:fontRef>
+            </p:style>
+            <p:txBody>
+              <a:bodyPr rtlCol="0" anchor="ctr"/>
+              <a:lstStyle/>
+              <a:p>
+                <a:pPr algn="ctr"/>
+                <a:endParaRPr lang="en-US"/>
+              </a:p>
+            </p:txBody>
+          </p:sp>
+          <p:sp>
+            <p:nvSpPr>
+              <p:cNvPr id="9" name="Rectangle 8"/>
+              <p:cNvSpPr/>
+              <p:nvPr/>
+            </p:nvSpPr>
+            <p:spPr>
+              <a:xfrm>
+                <a:off x="550590" y="3760574"/>
+                <a:ext cx="1512168" cy="504056"/>
+              </a:xfrm>
+              <a:prstGeom prst="rect">
+                <a:avLst/>
+              </a:prstGeom>
+              <a:noFill/>
+              <a:ln w="3175">
+                <a:solidFill>
+                  <a:schemeClr val="tx1"/>
+                </a:solidFill>
+              </a:ln>
+            </p:spPr>
+            <p:style>
+              <a:lnRef idx="2">
+                <a:schemeClr val="accent1">
+                  <a:shade val="50000"/>
+                </a:schemeClr>
+              </a:lnRef>
+              <a:fillRef idx="1">
+                <a:schemeClr val="accent1"/>
+              </a:fillRef>
+              <a:effectRef idx="0">
+                <a:schemeClr val="accent1"/>
+              </a:effectRef>
+              <a:fontRef idx="minor">
+                <a:schemeClr val="lt1"/>
+              </a:fontRef>
+            </p:style>
+            <p:txBody>
+              <a:bodyPr rtlCol="0" anchor="ctr"/>
+              <a:lstStyle/>
+              <a:p>
+                <a:pPr algn="ctr"/>
+                <a:endParaRPr lang="en-US"/>
+              </a:p>
+            </p:txBody>
+          </p:sp>
+          <p:sp>
+            <p:nvSpPr>
+              <p:cNvPr id="10" name="Rectangle 9"/>
+              <p:cNvSpPr/>
+              <p:nvPr/>
+            </p:nvSpPr>
+            <p:spPr>
+              <a:xfrm>
+                <a:off x="550590" y="4365104"/>
+                <a:ext cx="1512168" cy="504056"/>
+              </a:xfrm>
+              <a:prstGeom prst="rect">
+                <a:avLst/>
+              </a:prstGeom>
+              <a:noFill/>
+              <a:ln w="3175">
+                <a:solidFill>
+                  <a:schemeClr val="tx1"/>
+                </a:solidFill>
+              </a:ln>
+            </p:spPr>
+            <p:style>
+              <a:lnRef idx="2">
+                <a:schemeClr val="accent1">
+                  <a:shade val="50000"/>
+                </a:schemeClr>
+              </a:lnRef>
+              <a:fillRef idx="1">
+                <a:schemeClr val="accent1"/>
+              </a:fillRef>
+              <a:effectRef idx="0">
+                <a:schemeClr val="accent1"/>
+              </a:effectRef>
+              <a:fontRef idx="minor">
+                <a:schemeClr val="lt1"/>
+              </a:fontRef>
+            </p:style>
+            <p:txBody>
+              <a:bodyPr rtlCol="0" anchor="ctr"/>
+              <a:lstStyle/>
+              <a:p>
+                <a:pPr algn="ctr"/>
+                <a:endParaRPr lang="en-US"/>
+              </a:p>
+            </p:txBody>
+          </p:sp>
+          <p:sp>
+            <p:nvSpPr>
+              <p:cNvPr id="11" name="Rectangle 10"/>
+              <p:cNvSpPr/>
+              <p:nvPr/>
+            </p:nvSpPr>
+            <p:spPr>
+              <a:xfrm>
+                <a:off x="550590" y="5013176"/>
+                <a:ext cx="1512168" cy="504056"/>
+              </a:xfrm>
+              <a:prstGeom prst="rect">
+                <a:avLst/>
+              </a:prstGeom>
+              <a:noFill/>
+              <a:ln w="3175">
+                <a:solidFill>
+                  <a:schemeClr val="tx1"/>
+                </a:solidFill>
+              </a:ln>
+            </p:spPr>
+            <p:style>
+              <a:lnRef idx="2">
+                <a:schemeClr val="accent1">
+                  <a:shade val="50000"/>
+                </a:schemeClr>
+              </a:lnRef>
+              <a:fillRef idx="1">
+                <a:schemeClr val="accent1"/>
+              </a:fillRef>
+              <a:effectRef idx="0">
+                <a:schemeClr val="accent1"/>
+              </a:effectRef>
+              <a:fontRef idx="minor">
+                <a:schemeClr val="lt1"/>
+              </a:fontRef>
+            </p:style>
+            <p:txBody>
+              <a:bodyPr rtlCol="0" anchor="ctr"/>
+              <a:lstStyle/>
+              <a:p>
+                <a:pPr algn="ctr"/>
+                <a:endParaRPr lang="en-US"/>
+              </a:p>
+            </p:txBody>
+          </p:sp>
+          <p:sp>
+            <p:nvSpPr>
+              <p:cNvPr id="12" name="Rectangle 11"/>
+              <p:cNvSpPr/>
+              <p:nvPr/>
+            </p:nvSpPr>
+            <p:spPr>
+              <a:xfrm>
+                <a:off x="550590" y="5575288"/>
+                <a:ext cx="1512168" cy="504056"/>
+              </a:xfrm>
+              <a:prstGeom prst="rect">
+                <a:avLst/>
+              </a:prstGeom>
+              <a:noFill/>
+              <a:ln w="3175">
+                <a:solidFill>
+                  <a:schemeClr val="tx1"/>
+                </a:solidFill>
+              </a:ln>
+            </p:spPr>
+            <p:style>
+              <a:lnRef idx="2">
+                <a:schemeClr val="accent1">
+                  <a:shade val="50000"/>
+                </a:schemeClr>
+              </a:lnRef>
+              <a:fillRef idx="1">
+                <a:schemeClr val="accent1"/>
+              </a:fillRef>
+              <a:effectRef idx="0">
+                <a:schemeClr val="accent1"/>
+              </a:effectRef>
+              <a:fontRef idx="minor">
+                <a:schemeClr val="lt1"/>
+              </a:fontRef>
+            </p:style>
+            <p:txBody>
+              <a:bodyPr rtlCol="0" anchor="ctr"/>
+              <a:lstStyle/>
+              <a:p>
+                <a:pPr algn="ctr"/>
+                <a:endParaRPr lang="en-US"/>
+              </a:p>
+            </p:txBody>
+          </p:sp>
+          <p:sp>
+            <p:nvSpPr>
+              <p:cNvPr id="13" name="Rectangle 12"/>
+              <p:cNvSpPr/>
+              <p:nvPr/>
+            </p:nvSpPr>
+            <p:spPr>
+              <a:xfrm>
+                <a:off x="3603392" y="3789040"/>
+                <a:ext cx="1512168" cy="504056"/>
+              </a:xfrm>
+              <a:prstGeom prst="rect">
+                <a:avLst/>
+              </a:prstGeom>
+              <a:noFill/>
+              <a:ln w="3175">
+                <a:solidFill>
+                  <a:schemeClr val="tx1"/>
+                </a:solidFill>
+              </a:ln>
+            </p:spPr>
+            <p:style>
+              <a:lnRef idx="2">
+                <a:schemeClr val="accent1">
+                  <a:shade val="50000"/>
+                </a:schemeClr>
+              </a:lnRef>
+              <a:fillRef idx="1">
+                <a:schemeClr val="accent1"/>
+              </a:fillRef>
+              <a:effectRef idx="0">
+                <a:schemeClr val="accent1"/>
+              </a:effectRef>
+              <a:fontRef idx="minor">
+                <a:schemeClr val="lt1"/>
+              </a:fontRef>
+            </p:style>
+            <p:txBody>
+              <a:bodyPr rtlCol="0" anchor="ctr"/>
+              <a:lstStyle/>
+              <a:p>
+                <a:pPr algn="ctr"/>
+                <a:endParaRPr lang="en-US"/>
+              </a:p>
+            </p:txBody>
+          </p:sp>
+          <p:sp>
+            <p:nvSpPr>
+              <p:cNvPr id="14" name="Rectangle 13"/>
+              <p:cNvSpPr/>
+              <p:nvPr/>
+            </p:nvSpPr>
+            <p:spPr>
+              <a:xfrm>
+                <a:off x="3603392" y="4394132"/>
+                <a:ext cx="1512168" cy="504056"/>
+              </a:xfrm>
+              <a:prstGeom prst="rect">
+                <a:avLst/>
+              </a:prstGeom>
+              <a:noFill/>
+              <a:ln w="3175">
+                <a:solidFill>
+                  <a:schemeClr val="tx1"/>
+                </a:solidFill>
+              </a:ln>
+            </p:spPr>
+            <p:style>
+              <a:lnRef idx="2">
+                <a:schemeClr val="accent1">
+                  <a:shade val="50000"/>
+                </a:schemeClr>
+              </a:lnRef>
+              <a:fillRef idx="1">
+                <a:schemeClr val="accent1"/>
+              </a:fillRef>
+              <a:effectRef idx="0">
+                <a:schemeClr val="accent1"/>
+              </a:effectRef>
+              <a:fontRef idx="minor">
+                <a:schemeClr val="lt1"/>
+              </a:fontRef>
+            </p:style>
+            <p:txBody>
+              <a:bodyPr rtlCol="0" anchor="ctr"/>
+              <a:lstStyle/>
+              <a:p>
+                <a:pPr algn="ctr"/>
+                <a:endParaRPr lang="en-US"/>
+              </a:p>
+            </p:txBody>
+          </p:sp>
+          <p:sp>
+            <p:nvSpPr>
+              <p:cNvPr id="15" name="Rectangle 14"/>
+              <p:cNvSpPr/>
+              <p:nvPr/>
+            </p:nvSpPr>
+            <p:spPr>
+              <a:xfrm>
+                <a:off x="3603392" y="5013176"/>
+                <a:ext cx="1512168" cy="504056"/>
+              </a:xfrm>
+              <a:prstGeom prst="rect">
+                <a:avLst/>
+              </a:prstGeom>
+              <a:noFill/>
+              <a:ln w="3175">
+                <a:solidFill>
+                  <a:schemeClr val="tx1"/>
+                </a:solidFill>
+              </a:ln>
+            </p:spPr>
+            <p:style>
+              <a:lnRef idx="2">
+                <a:schemeClr val="accent1">
+                  <a:shade val="50000"/>
+                </a:schemeClr>
+              </a:lnRef>
+              <a:fillRef idx="1">
+                <a:schemeClr val="accent1"/>
+              </a:fillRef>
+              <a:effectRef idx="0">
+                <a:schemeClr val="accent1"/>
+              </a:effectRef>
+              <a:fontRef idx="minor">
+                <a:schemeClr val="lt1"/>
+              </a:fontRef>
+            </p:style>
+            <p:txBody>
+              <a:bodyPr rtlCol="0" anchor="ctr"/>
+              <a:lstStyle/>
+              <a:p>
+                <a:pPr algn="ctr"/>
+                <a:endParaRPr lang="en-US"/>
+              </a:p>
+            </p:txBody>
+          </p:sp>
+          <p:sp>
+            <p:nvSpPr>
+              <p:cNvPr id="16" name="Rectangle 15"/>
+              <p:cNvSpPr/>
+              <p:nvPr/>
+            </p:nvSpPr>
+            <p:spPr>
+              <a:xfrm>
+                <a:off x="3603392" y="5589240"/>
+                <a:ext cx="1512168" cy="504056"/>
+              </a:xfrm>
+              <a:prstGeom prst="rect">
+                <a:avLst/>
+              </a:prstGeom>
+              <a:noFill/>
+              <a:ln w="3175">
+                <a:solidFill>
+                  <a:schemeClr val="tx1"/>
+                </a:solidFill>
+              </a:ln>
+            </p:spPr>
+            <p:style>
+              <a:lnRef idx="2">
+                <a:schemeClr val="accent1">
+                  <a:shade val="50000"/>
+                </a:schemeClr>
+              </a:lnRef>
+              <a:fillRef idx="1">
+                <a:schemeClr val="accent1"/>
+              </a:fillRef>
+              <a:effectRef idx="0">
+                <a:schemeClr val="accent1"/>
+              </a:effectRef>
+              <a:fontRef idx="minor">
+                <a:schemeClr val="lt1"/>
+              </a:fontRef>
+            </p:style>
+            <p:txBody>
+              <a:bodyPr rtlCol="0" anchor="ctr"/>
+              <a:lstStyle/>
+              <a:p>
+                <a:pPr algn="ctr"/>
+                <a:endParaRPr lang="en-US"/>
+              </a:p>
+            </p:txBody>
+          </p:sp>
+          <p:sp>
+            <p:nvSpPr>
+              <p:cNvPr id="17" name="Rectangle 16"/>
+              <p:cNvSpPr/>
+              <p:nvPr/>
+            </p:nvSpPr>
+            <p:spPr>
+              <a:xfrm>
+                <a:off x="5735166" y="3789040"/>
+                <a:ext cx="3240360" cy="518570"/>
+              </a:xfrm>
+              <a:prstGeom prst="rect">
+                <a:avLst/>
+              </a:prstGeom>
+              <a:noFill/>
+              <a:ln w="3175">
+                <a:solidFill>
+                  <a:schemeClr val="tx1"/>
+                </a:solidFill>
+              </a:ln>
+            </p:spPr>
+            <p:style>
+              <a:lnRef idx="2">
+                <a:schemeClr val="accent1">
+                  <a:shade val="50000"/>
+                </a:schemeClr>
+              </a:lnRef>
+              <a:fillRef idx="1">
+                <a:schemeClr val="accent1"/>
+              </a:fillRef>
+              <a:effectRef idx="0">
+                <a:schemeClr val="accent1"/>
+              </a:effectRef>
+              <a:fontRef idx="minor">
+                <a:schemeClr val="lt1"/>
+              </a:fontRef>
+            </p:style>
+            <p:txBody>
+              <a:bodyPr rtlCol="0" anchor="ctr"/>
+              <a:lstStyle/>
+              <a:p>
+                <a:pPr algn="ctr"/>
+                <a:endParaRPr lang="en-US"/>
+              </a:p>
+            </p:txBody>
+          </p:sp>
+          <p:sp>
+            <p:nvSpPr>
+              <p:cNvPr id="18" name="Rectangle 17"/>
+              <p:cNvSpPr/>
+              <p:nvPr/>
+            </p:nvSpPr>
+            <p:spPr>
+              <a:xfrm>
+                <a:off x="5735166" y="4365104"/>
+                <a:ext cx="3240360" cy="518570"/>
+              </a:xfrm>
+              <a:prstGeom prst="rect">
+                <a:avLst/>
+              </a:prstGeom>
+              <a:noFill/>
+              <a:ln w="3175">
+                <a:solidFill>
+                  <a:schemeClr val="tx1"/>
+                </a:solidFill>
+              </a:ln>
+            </p:spPr>
+            <p:style>
+              <a:lnRef idx="2">
+                <a:schemeClr val="accent1">
+                  <a:shade val="50000"/>
+                </a:schemeClr>
+              </a:lnRef>
+              <a:fillRef idx="1">
+                <a:schemeClr val="accent1"/>
+              </a:fillRef>
+              <a:effectRef idx="0">
+                <a:schemeClr val="accent1"/>
+              </a:effectRef>
+              <a:fontRef idx="minor">
+                <a:schemeClr val="lt1"/>
+              </a:fontRef>
+            </p:style>
+            <p:txBody>
+              <a:bodyPr rtlCol="0" anchor="ctr"/>
+              <a:lstStyle/>
+              <a:p>
+                <a:pPr algn="ctr"/>
+                <a:endParaRPr lang="en-US"/>
+              </a:p>
+            </p:txBody>
+          </p:sp>
+          <p:sp>
+            <p:nvSpPr>
+              <p:cNvPr id="19" name="Rectangle 18"/>
+              <p:cNvSpPr/>
+              <p:nvPr/>
+            </p:nvSpPr>
+            <p:spPr>
+              <a:xfrm>
+                <a:off x="5735166" y="4941168"/>
+                <a:ext cx="3240360" cy="518570"/>
+              </a:xfrm>
+              <a:prstGeom prst="rect">
+                <a:avLst/>
+              </a:prstGeom>
+              <a:noFill/>
+              <a:ln w="3175">
+                <a:solidFill>
+                  <a:schemeClr val="tx1"/>
+                </a:solidFill>
+              </a:ln>
+            </p:spPr>
+            <p:style>
+              <a:lnRef idx="2">
+                <a:schemeClr val="accent1">
+                  <a:shade val="50000"/>
+                </a:schemeClr>
+              </a:lnRef>
+              <a:fillRef idx="1">
+                <a:schemeClr val="accent1"/>
+              </a:fillRef>
+              <a:effectRef idx="0">
+                <a:schemeClr val="accent1"/>
+              </a:effectRef>
+              <a:fontRef idx="minor">
+                <a:schemeClr val="lt1"/>
+              </a:fontRef>
+            </p:style>
+            <p:txBody>
+              <a:bodyPr rtlCol="0" anchor="ctr"/>
+              <a:lstStyle/>
+              <a:p>
+                <a:pPr algn="ctr"/>
+                <a:endParaRPr lang="en-US"/>
+              </a:p>
+            </p:txBody>
+          </p:sp>
+        </p:grpSp>
+        <p:sp>
+          <p:nvSpPr>
+            <p:cNvPr id="21" name="Rectangle 20"/>
+            <p:cNvSpPr/>
+            <p:nvPr/>
+          </p:nvSpPr>
+          <p:spPr>
+            <a:xfrm>
+              <a:off x="262558" y="2924944"/>
+              <a:ext cx="9145016" cy="3384376"/>
+            </a:xfrm>
+            <a:prstGeom prst="rect">
+              <a:avLst/>
+            </a:prstGeom>
             <a:noFill/>
-            <a:miter lim="800000"/>
-            <a:headEnd/>
-            <a:tailEnd/>
-          </a:ln>
-        </p:spPr>
-      </p:pic>
+            <a:ln>
+              <a:solidFill>
+                <a:schemeClr val="tx1"/>
+              </a:solidFill>
+            </a:ln>
+          </p:spPr>
+          <p:style>
+            <a:lnRef idx="2">
+              <a:schemeClr val="accent1">
+                <a:shade val="50000"/>
+              </a:schemeClr>
+            </a:lnRef>
+            <a:fillRef idx="1">
+              <a:schemeClr val="accent1"/>
+            </a:fillRef>
+            <a:effectRef idx="0">
+              <a:schemeClr val="accent1"/>
+            </a:effectRef>
+            <a:fontRef idx="minor">
+              <a:schemeClr val="lt1"/>
+            </a:fontRef>
+          </p:style>
+          <p:txBody>
+            <a:bodyPr rtlCol="0" anchor="ctr"/>
+            <a:lstStyle/>
+            <a:p>
+              <a:pPr algn="ctr"/>
+              <a:endParaRPr lang="en-US"/>
+            </a:p>
+          </p:txBody>
+        </p:sp>
+      </p:grpSp>
     </p:spTree>
     <p:extLst>
       <p:ext uri="{BB962C8B-B14F-4D97-AF65-F5344CB8AC3E}">
@@ -5375,8 +6121,17 @@
                         <a:rPr lang="en-US" sz="1800" b="0" dirty="0">
                           <a:latin typeface="Palatino Linotype" pitchFamily="18" charset="0"/>
                         </a:rPr>
-                        <a:t>Natural Join joins two tables based on same attribute name and datatypes.</a:t>
+                        <a:t>Natural Join joins two tables based on same attribute </a:t>
                       </a:r>
+                      <a:r>
+                        <a:rPr lang="en-US" sz="1800" b="0" dirty="0" smtClean="0">
+                          <a:latin typeface="Palatino Linotype" pitchFamily="18" charset="0"/>
+                        </a:rPr>
+                        <a:t>name.</a:t>
+                      </a:r>
+                      <a:endParaRPr lang="en-US" sz="1800" b="0" dirty="0">
+                        <a:latin typeface="Palatino Linotype" pitchFamily="18" charset="0"/>
+                      </a:endParaRPr>
                     </a:p>
                   </a:txBody>
                   <a:tcPr marL="89279" marR="89279" marT="44640" marB="44640" anchor="ctr">
@@ -5462,7 +6217,7 @@
                     <a:p>
                       <a:pPr algn="l" fontAlgn="base"/>
                       <a:r>
-                        <a:rPr lang="en-US" sz="1800" b="0">
+                        <a:rPr lang="en-US" sz="1800" b="0" dirty="0">
                           <a:latin typeface="Palatino Linotype" pitchFamily="18" charset="0"/>
                         </a:rPr>
                         <a:t>In Natural Join, The resulting table will contain all the attributes of both the tables but keep only one copy of each common column</a:t>
@@ -5552,11 +6307,14 @@
                     <a:p>
                       <a:pPr algn="l" fontAlgn="base"/>
                       <a:r>
-                        <a:rPr lang="en-US" sz="1800" b="0">
+                        <a:rPr lang="en-US" sz="1800" b="0" dirty="0" smtClean="0">
                           <a:latin typeface="Palatino Linotype" pitchFamily="18" charset="0"/>
                         </a:rPr>
-                        <a:t>In Natural Join, If there is no condition specifies then it returns the rows based on the common column</a:t>
+                        <a:t>In Inner Join, only those records will return which exists in both the tables</a:t>
                       </a:r>
+                      <a:endParaRPr lang="en-US" sz="1800" b="0" dirty="0">
+                        <a:latin typeface="Palatino Linotype" pitchFamily="18" charset="0"/>
+                      </a:endParaRPr>
                     </a:p>
                   </a:txBody>
                   <a:tcPr marL="89279" marR="89279" marT="44640" marB="44640" anchor="ctr">
@@ -5596,11 +6354,14 @@
                     <a:p>
                       <a:pPr algn="l" fontAlgn="base"/>
                       <a:r>
-                        <a:rPr lang="en-US" sz="1800" b="0">
+                        <a:rPr lang="en-US" sz="1800" b="0" dirty="0" smtClean="0">
                           <a:latin typeface="Palatino Linotype" pitchFamily="18" charset="0"/>
                         </a:rPr>
                         <a:t>In Inner Join, only those records will return which exists in both the tables</a:t>
                       </a:r>
+                      <a:endParaRPr lang="en-US" sz="1800" b="0" dirty="0">
+                        <a:latin typeface="Palatino Linotype" pitchFamily="18" charset="0"/>
+                      </a:endParaRPr>
                     </a:p>
                   </a:txBody>
                   <a:tcPr marL="89279" marR="89279" marT="44640" marB="44640" anchor="ctr">
@@ -5900,9 +6661,6 @@
             </a:pPr>
             <a:r>
               <a:rPr lang="en-US" dirty="0">
-                <a:solidFill>
-                  <a:srgbClr val="0077AA"/>
-                </a:solidFill>
                 <a:latin typeface="Arial" panose="020B0604020202020204" pitchFamily="34" charset="0"/>
                 <a:ea typeface="Times New Roman" panose="02020603050405020304" pitchFamily="18" charset="0"/>
                 <a:cs typeface="Arial" panose="020B0604020202020204" pitchFamily="34" charset="0"/>
@@ -5925,9 +6683,6 @@
             </a:r>
             <a:r>
               <a:rPr lang="en-US" dirty="0">
-                <a:solidFill>
-                  <a:srgbClr val="0077AA"/>
-                </a:solidFill>
                 <a:latin typeface="Arial" panose="020B0604020202020204" pitchFamily="34" charset="0"/>
                 <a:ea typeface="Times New Roman" panose="02020603050405020304" pitchFamily="18" charset="0"/>
                 <a:cs typeface="Arial" panose="020B0604020202020204" pitchFamily="34" charset="0"/>
@@ -6410,9 +7165,6 @@
             </a:pPr>
             <a:r>
               <a:rPr lang="en-US" dirty="0">
-                <a:solidFill>
-                  <a:srgbClr val="0077AA"/>
-                </a:solidFill>
                 <a:latin typeface="Arial" panose="020B0604020202020204" pitchFamily="34" charset="0"/>
                 <a:ea typeface="Times New Roman" panose="02020603050405020304" pitchFamily="18" charset="0"/>
                 <a:cs typeface="Arial" panose="020B0604020202020204" pitchFamily="34" charset="0"/>
@@ -6435,9 +7187,6 @@
             </a:r>
             <a:r>
               <a:rPr lang="en-US" dirty="0">
-                <a:solidFill>
-                  <a:srgbClr val="0077AA"/>
-                </a:solidFill>
                 <a:latin typeface="Arial" panose="020B0604020202020204" pitchFamily="34" charset="0"/>
                 <a:ea typeface="Times New Roman" panose="02020603050405020304" pitchFamily="18" charset="0"/>
                 <a:cs typeface="Arial" panose="020B0604020202020204" pitchFamily="34" charset="0"/>
